--- a/docs/description.pptx
+++ b/docs/description.pptx
@@ -243,7 +243,7 @@
           <a:p>
             <a:fld id="{06D8584B-9FA9-D049-96F3-CAA7923F5299}" type="datetimeFigureOut">
               <a:rPr kumimoji="1" lang="ja-JP" altLang="en-US" smtClean="0"/>
-              <a:t>2022/8/20</a:t>
+              <a:t>2022/9/3</a:t>
             </a:fld>
             <a:endParaRPr kumimoji="1" lang="ja-JP" altLang="en-US"/>
           </a:p>
@@ -445,7 +445,7 @@
           <a:p>
             <a:fld id="{06D8584B-9FA9-D049-96F3-CAA7923F5299}" type="datetimeFigureOut">
               <a:rPr kumimoji="1" lang="ja-JP" altLang="en-US" smtClean="0"/>
-              <a:t>2022/8/20</a:t>
+              <a:t>2022/9/3</a:t>
             </a:fld>
             <a:endParaRPr kumimoji="1" lang="ja-JP" altLang="en-US"/>
           </a:p>
@@ -657,7 +657,7 @@
           <a:p>
             <a:fld id="{06D8584B-9FA9-D049-96F3-CAA7923F5299}" type="datetimeFigureOut">
               <a:rPr kumimoji="1" lang="ja-JP" altLang="en-US" smtClean="0"/>
-              <a:t>2022/8/20</a:t>
+              <a:t>2022/9/3</a:t>
             </a:fld>
             <a:endParaRPr kumimoji="1" lang="ja-JP" altLang="en-US"/>
           </a:p>
@@ -859,7 +859,7 @@
           <a:p>
             <a:fld id="{06D8584B-9FA9-D049-96F3-CAA7923F5299}" type="datetimeFigureOut">
               <a:rPr kumimoji="1" lang="ja-JP" altLang="en-US" smtClean="0"/>
-              <a:t>2022/8/20</a:t>
+              <a:t>2022/9/3</a:t>
             </a:fld>
             <a:endParaRPr kumimoji="1" lang="ja-JP" altLang="en-US"/>
           </a:p>
@@ -1105,7 +1105,7 @@
           <a:p>
             <a:fld id="{06D8584B-9FA9-D049-96F3-CAA7923F5299}" type="datetimeFigureOut">
               <a:rPr kumimoji="1" lang="ja-JP" altLang="en-US" smtClean="0"/>
-              <a:t>2022/8/20</a:t>
+              <a:t>2022/9/3</a:t>
             </a:fld>
             <a:endParaRPr kumimoji="1" lang="ja-JP" altLang="en-US"/>
           </a:p>
@@ -1401,7 +1401,7 @@
           <a:p>
             <a:fld id="{06D8584B-9FA9-D049-96F3-CAA7923F5299}" type="datetimeFigureOut">
               <a:rPr kumimoji="1" lang="ja-JP" altLang="en-US" smtClean="0"/>
-              <a:t>2022/8/20</a:t>
+              <a:t>2022/9/3</a:t>
             </a:fld>
             <a:endParaRPr kumimoji="1" lang="ja-JP" altLang="en-US"/>
           </a:p>
@@ -1832,7 +1832,7 @@
           <a:p>
             <a:fld id="{06D8584B-9FA9-D049-96F3-CAA7923F5299}" type="datetimeFigureOut">
               <a:rPr kumimoji="1" lang="ja-JP" altLang="en-US" smtClean="0"/>
-              <a:t>2022/8/20</a:t>
+              <a:t>2022/9/3</a:t>
             </a:fld>
             <a:endParaRPr kumimoji="1" lang="ja-JP" altLang="en-US"/>
           </a:p>
@@ -1950,7 +1950,7 @@
           <a:p>
             <a:fld id="{06D8584B-9FA9-D049-96F3-CAA7923F5299}" type="datetimeFigureOut">
               <a:rPr kumimoji="1" lang="ja-JP" altLang="en-US" smtClean="0"/>
-              <a:t>2022/8/20</a:t>
+              <a:t>2022/9/3</a:t>
             </a:fld>
             <a:endParaRPr kumimoji="1" lang="ja-JP" altLang="en-US"/>
           </a:p>
@@ -2045,7 +2045,7 @@
           <a:p>
             <a:fld id="{06D8584B-9FA9-D049-96F3-CAA7923F5299}" type="datetimeFigureOut">
               <a:rPr kumimoji="1" lang="ja-JP" altLang="en-US" smtClean="0"/>
-              <a:t>2022/8/20</a:t>
+              <a:t>2022/9/3</a:t>
             </a:fld>
             <a:endParaRPr kumimoji="1" lang="ja-JP" altLang="en-US"/>
           </a:p>
@@ -2354,7 +2354,7 @@
           <a:p>
             <a:fld id="{06D8584B-9FA9-D049-96F3-CAA7923F5299}" type="datetimeFigureOut">
               <a:rPr kumimoji="1" lang="ja-JP" altLang="en-US" smtClean="0"/>
-              <a:t>2022/8/20</a:t>
+              <a:t>2022/9/3</a:t>
             </a:fld>
             <a:endParaRPr kumimoji="1" lang="ja-JP" altLang="en-US"/>
           </a:p>
@@ -2611,7 +2611,7 @@
           <a:p>
             <a:fld id="{06D8584B-9FA9-D049-96F3-CAA7923F5299}" type="datetimeFigureOut">
               <a:rPr kumimoji="1" lang="ja-JP" altLang="en-US" smtClean="0"/>
-              <a:t>2022/8/20</a:t>
+              <a:t>2022/9/3</a:t>
             </a:fld>
             <a:endParaRPr kumimoji="1" lang="ja-JP" altLang="en-US"/>
           </a:p>
@@ -2856,7 +2856,7 @@
           <a:p>
             <a:fld id="{06D8584B-9FA9-D049-96F3-CAA7923F5299}" type="datetimeFigureOut">
               <a:rPr kumimoji="1" lang="ja-JP" altLang="en-US" smtClean="0"/>
-              <a:t>2022/8/20</a:t>
+              <a:t>2022/9/3</a:t>
             </a:fld>
             <a:endParaRPr kumimoji="1" lang="ja-JP" altLang="en-US"/>
           </a:p>
@@ -3274,10 +3274,10 @@
       </p:grpSpPr>
       <p:pic>
         <p:nvPicPr>
-          <p:cNvPr id="4" name="図 3">
+          <p:cNvPr id="6" name="図 5">
             <a:extLst>
               <a:ext uri="{FF2B5EF4-FFF2-40B4-BE49-F238E27FC236}">
-                <a16:creationId xmlns:a16="http://schemas.microsoft.com/office/drawing/2014/main" id="{076C3DD1-9CB4-A357-3FF7-921B98A83D17}"/>
+                <a16:creationId xmlns:a16="http://schemas.microsoft.com/office/drawing/2014/main" id="{60EE0016-0C34-DADD-627F-7A90C7E5C53F}"/>
               </a:ext>
             </a:extLst>
           </p:cNvPr>
@@ -3294,8 +3294,38 @@
         </p:blipFill>
         <p:spPr>
           <a:xfrm>
-            <a:off x="712317" y="2914071"/>
-            <a:ext cx="7772400" cy="2155578"/>
+            <a:off x="7987413" y="7380483"/>
+            <a:ext cx="7772400" cy="1772652"/>
+          </a:xfrm>
+          <a:prstGeom prst="rect">
+            <a:avLst/>
+          </a:prstGeom>
+        </p:spPr>
+      </p:pic>
+      <p:pic>
+        <p:nvPicPr>
+          <p:cNvPr id="3" name="図 2">
+            <a:extLst>
+              <a:ext uri="{FF2B5EF4-FFF2-40B4-BE49-F238E27FC236}">
+                <a16:creationId xmlns:a16="http://schemas.microsoft.com/office/drawing/2014/main" id="{EBDCCD46-D4FE-421E-1D83-91B2FD5BE2BC}"/>
+              </a:ext>
+            </a:extLst>
+          </p:cNvPr>
+          <p:cNvPicPr>
+            <a:picLocks noChangeAspect="1"/>
+          </p:cNvPicPr>
+          <p:nvPr/>
+        </p:nvPicPr>
+        <p:blipFill>
+          <a:blip r:embed="rId2"/>
+          <a:stretch>
+            <a:fillRect/>
+          </a:stretch>
+        </p:blipFill>
+        <p:spPr>
+          <a:xfrm>
+            <a:off x="1187167" y="3105534"/>
+            <a:ext cx="7772400" cy="1772652"/>
           </a:xfrm>
           <a:prstGeom prst="rect">
             <a:avLst/>
@@ -3392,36 +3422,6 @@
           </a:p>
         </p:txBody>
       </p:sp>
-      <p:pic>
-        <p:nvPicPr>
-          <p:cNvPr id="9" name="図 8">
-            <a:extLst>
-              <a:ext uri="{FF2B5EF4-FFF2-40B4-BE49-F238E27FC236}">
-                <a16:creationId xmlns:a16="http://schemas.microsoft.com/office/drawing/2014/main" id="{2D496E57-2491-477E-8B0F-8AA9B80F60E3}"/>
-              </a:ext>
-            </a:extLst>
-          </p:cNvPr>
-          <p:cNvPicPr>
-            <a:picLocks noChangeAspect="1"/>
-          </p:cNvPicPr>
-          <p:nvPr/>
-        </p:nvPicPr>
-        <p:blipFill>
-          <a:blip r:embed="rId2"/>
-          <a:stretch>
-            <a:fillRect/>
-          </a:stretch>
-        </p:blipFill>
-        <p:spPr>
-          <a:xfrm>
-            <a:off x="8128794" y="6918978"/>
-            <a:ext cx="7772400" cy="2155578"/>
-          </a:xfrm>
-          <a:prstGeom prst="rect">
-            <a:avLst/>
-          </a:prstGeom>
-        </p:spPr>
-      </p:pic>
       <p:sp>
         <p:nvSpPr>
           <p:cNvPr id="10" name="角丸四角形吹き出し 9">
@@ -3554,7 +3554,7 @@
                   <a:schemeClr val="tx1"/>
                 </a:solidFill>
               </a:rPr>
-              <a:t>The tab will close when the timer reaches 0 seconds.</a:t>
+              <a:t>If you open a porn site, the tab will be automatically closed.</a:t>
             </a:r>
           </a:p>
         </p:txBody>
